--- a/ppt 16-9/1439.我的民哪！.pptx
+++ b/ppt 16-9/1439.我的民哪！.pptx
@@ -129,7 +129,7 @@
           <p:cNvPr id="2" name="标题 1">
             <a:extLst>
               <a:ext uri="{FF2B5EF4-FFF2-40B4-BE49-F238E27FC236}">
-                <a16:creationId xmlns:a16="http://schemas.microsoft.com/office/drawing/2014/main" id="{3FFAB62F-EFE4-35B9-338E-2A3B9CF43887}"/>
+                <a16:creationId xmlns:a16="http://schemas.microsoft.com/office/drawing/2014/main" id="{C2DF68D8-42EB-188D-7E33-1B12B4060EDA}"/>
               </a:ext>
             </a:extLst>
           </p:cNvPr>
@@ -166,7 +166,7 @@
           <p:cNvPr id="3" name="副标题 2">
             <a:extLst>
               <a:ext uri="{FF2B5EF4-FFF2-40B4-BE49-F238E27FC236}">
-                <a16:creationId xmlns:a16="http://schemas.microsoft.com/office/drawing/2014/main" id="{3A35FA7E-4F92-E750-0F40-3B17DD90FFC0}"/>
+                <a16:creationId xmlns:a16="http://schemas.microsoft.com/office/drawing/2014/main" id="{4D38BF1F-EA5C-8EC0-4F80-01AE9034B3BD}"/>
               </a:ext>
             </a:extLst>
           </p:cNvPr>
@@ -236,7 +236,7 @@
           <p:cNvPr id="4" name="日期占位符 3">
             <a:extLst>
               <a:ext uri="{FF2B5EF4-FFF2-40B4-BE49-F238E27FC236}">
-                <a16:creationId xmlns:a16="http://schemas.microsoft.com/office/drawing/2014/main" id="{36BE1EBF-CC6C-F5EF-AAAB-578B6974C82F}"/>
+                <a16:creationId xmlns:a16="http://schemas.microsoft.com/office/drawing/2014/main" id="{7F8355C5-65D8-7CA1-0F32-0711FA8C8867}"/>
               </a:ext>
             </a:extLst>
           </p:cNvPr>
@@ -252,7 +252,7 @@
           <a:bodyPr/>
           <a:lstStyle/>
           <a:p>
-            <a:fld id="{69C2C150-4898-43EB-9DAF-72149EB89A8E}" type="datetimeFigureOut">
+            <a:fld id="{DACDF784-6684-4195-B517-0164D47CB973}" type="datetimeFigureOut">
               <a:rPr lang="zh-CN" altLang="en-US" smtClean="0"/>
               <a:t>2024/3/10</a:t>
             </a:fld>
@@ -265,7 +265,7 @@
           <p:cNvPr id="5" name="页脚占位符 4">
             <a:extLst>
               <a:ext uri="{FF2B5EF4-FFF2-40B4-BE49-F238E27FC236}">
-                <a16:creationId xmlns:a16="http://schemas.microsoft.com/office/drawing/2014/main" id="{876CF9CC-F3DA-C797-5C2E-EB5B6ABDE25C}"/>
+                <a16:creationId xmlns:a16="http://schemas.microsoft.com/office/drawing/2014/main" id="{F75DA8BE-5963-D418-7C39-9DEEC18BE561}"/>
               </a:ext>
             </a:extLst>
           </p:cNvPr>
@@ -290,7 +290,7 @@
           <p:cNvPr id="6" name="灯片编号占位符 5">
             <a:extLst>
               <a:ext uri="{FF2B5EF4-FFF2-40B4-BE49-F238E27FC236}">
-                <a16:creationId xmlns:a16="http://schemas.microsoft.com/office/drawing/2014/main" id="{F666C014-C76A-7D67-89F5-AF4A6D86C5BF}"/>
+                <a16:creationId xmlns:a16="http://schemas.microsoft.com/office/drawing/2014/main" id="{5DA6C1DD-9DC7-602F-96B3-4301A663DF4E}"/>
               </a:ext>
             </a:extLst>
           </p:cNvPr>
@@ -306,7 +306,7 @@
           <a:bodyPr/>
           <a:lstStyle/>
           <a:p>
-            <a:fld id="{5D266034-DC73-4BA9-94EB-E2D4C4183109}" type="slidenum">
+            <a:fld id="{3D29D30C-BABD-4BBC-8F85-39F933FAAB8E}" type="slidenum">
               <a:rPr lang="zh-CN" altLang="en-US" smtClean="0"/>
               <a:t>‹#›</a:t>
             </a:fld>
@@ -317,7 +317,7 @@
     </p:spTree>
     <p:extLst>
       <p:ext uri="{BB962C8B-B14F-4D97-AF65-F5344CB8AC3E}">
-        <p14:creationId xmlns:p14="http://schemas.microsoft.com/office/powerpoint/2010/main" val="3334990665"/>
+        <p14:creationId xmlns:p14="http://schemas.microsoft.com/office/powerpoint/2010/main" val="3709282220"/>
       </p:ext>
     </p:extLst>
   </p:cSld>
@@ -349,7 +349,7 @@
           <p:cNvPr id="2" name="标题 1">
             <a:extLst>
               <a:ext uri="{FF2B5EF4-FFF2-40B4-BE49-F238E27FC236}">
-                <a16:creationId xmlns:a16="http://schemas.microsoft.com/office/drawing/2014/main" id="{2CCB7378-2DBF-81C1-FFF7-D494D09563B3}"/>
+                <a16:creationId xmlns:a16="http://schemas.microsoft.com/office/drawing/2014/main" id="{9E15A253-85FC-DD6A-AD8F-F28D02FDE728}"/>
               </a:ext>
             </a:extLst>
           </p:cNvPr>
@@ -377,7 +377,7 @@
           <p:cNvPr id="3" name="竖排文字占位符 2">
             <a:extLst>
               <a:ext uri="{FF2B5EF4-FFF2-40B4-BE49-F238E27FC236}">
-                <a16:creationId xmlns:a16="http://schemas.microsoft.com/office/drawing/2014/main" id="{74DEB82B-E389-4470-0C62-1CDB1A46AC27}"/>
+                <a16:creationId xmlns:a16="http://schemas.microsoft.com/office/drawing/2014/main" id="{CC952D46-05AB-491F-97AD-486CD83C7F4D}"/>
               </a:ext>
             </a:extLst>
           </p:cNvPr>
@@ -434,7 +434,7 @@
           <p:cNvPr id="4" name="日期占位符 3">
             <a:extLst>
               <a:ext uri="{FF2B5EF4-FFF2-40B4-BE49-F238E27FC236}">
-                <a16:creationId xmlns:a16="http://schemas.microsoft.com/office/drawing/2014/main" id="{43F5D862-C053-E77E-DFFA-2729FD4AC9AC}"/>
+                <a16:creationId xmlns:a16="http://schemas.microsoft.com/office/drawing/2014/main" id="{811818B4-5B9F-68F6-7162-4248314B97BF}"/>
               </a:ext>
             </a:extLst>
           </p:cNvPr>
@@ -450,7 +450,7 @@
           <a:bodyPr/>
           <a:lstStyle/>
           <a:p>
-            <a:fld id="{69C2C150-4898-43EB-9DAF-72149EB89A8E}" type="datetimeFigureOut">
+            <a:fld id="{DACDF784-6684-4195-B517-0164D47CB973}" type="datetimeFigureOut">
               <a:rPr lang="zh-CN" altLang="en-US" smtClean="0"/>
               <a:t>2024/3/10</a:t>
             </a:fld>
@@ -463,7 +463,7 @@
           <p:cNvPr id="5" name="页脚占位符 4">
             <a:extLst>
               <a:ext uri="{FF2B5EF4-FFF2-40B4-BE49-F238E27FC236}">
-                <a16:creationId xmlns:a16="http://schemas.microsoft.com/office/drawing/2014/main" id="{5E8D2013-B487-7254-BD1C-72F2BA5D544E}"/>
+                <a16:creationId xmlns:a16="http://schemas.microsoft.com/office/drawing/2014/main" id="{C46FA15D-9A25-305F-14DE-646175E28808}"/>
               </a:ext>
             </a:extLst>
           </p:cNvPr>
@@ -488,7 +488,7 @@
           <p:cNvPr id="6" name="灯片编号占位符 5">
             <a:extLst>
               <a:ext uri="{FF2B5EF4-FFF2-40B4-BE49-F238E27FC236}">
-                <a16:creationId xmlns:a16="http://schemas.microsoft.com/office/drawing/2014/main" id="{62258D25-785B-2BAD-3008-BEFD9FC66811}"/>
+                <a16:creationId xmlns:a16="http://schemas.microsoft.com/office/drawing/2014/main" id="{364BDAD2-2CC3-3A54-E0C1-3F0965B5F566}"/>
               </a:ext>
             </a:extLst>
           </p:cNvPr>
@@ -504,7 +504,7 @@
           <a:bodyPr/>
           <a:lstStyle/>
           <a:p>
-            <a:fld id="{5D266034-DC73-4BA9-94EB-E2D4C4183109}" type="slidenum">
+            <a:fld id="{3D29D30C-BABD-4BBC-8F85-39F933FAAB8E}" type="slidenum">
               <a:rPr lang="zh-CN" altLang="en-US" smtClean="0"/>
               <a:t>‹#›</a:t>
             </a:fld>
@@ -515,7 +515,7 @@
     </p:spTree>
     <p:extLst>
       <p:ext uri="{BB962C8B-B14F-4D97-AF65-F5344CB8AC3E}">
-        <p14:creationId xmlns:p14="http://schemas.microsoft.com/office/powerpoint/2010/main" val="1578933052"/>
+        <p14:creationId xmlns:p14="http://schemas.microsoft.com/office/powerpoint/2010/main" val="740833806"/>
       </p:ext>
     </p:extLst>
   </p:cSld>
@@ -547,7 +547,7 @@
           <p:cNvPr id="2" name="竖排标题 1">
             <a:extLst>
               <a:ext uri="{FF2B5EF4-FFF2-40B4-BE49-F238E27FC236}">
-                <a16:creationId xmlns:a16="http://schemas.microsoft.com/office/drawing/2014/main" id="{81647D83-1CCE-474D-98EA-B074B97850F7}"/>
+                <a16:creationId xmlns:a16="http://schemas.microsoft.com/office/drawing/2014/main" id="{27A7732E-7909-BE26-57DB-23BD151D52B8}"/>
               </a:ext>
             </a:extLst>
           </p:cNvPr>
@@ -580,7 +580,7 @@
           <p:cNvPr id="3" name="竖排文字占位符 2">
             <a:extLst>
               <a:ext uri="{FF2B5EF4-FFF2-40B4-BE49-F238E27FC236}">
-                <a16:creationId xmlns:a16="http://schemas.microsoft.com/office/drawing/2014/main" id="{2F70174C-EBEF-AAC5-6D1B-D48BB3CD9928}"/>
+                <a16:creationId xmlns:a16="http://schemas.microsoft.com/office/drawing/2014/main" id="{FD84781D-3628-2F33-1CB2-EC6425DDB22E}"/>
               </a:ext>
             </a:extLst>
           </p:cNvPr>
@@ -642,7 +642,7 @@
           <p:cNvPr id="4" name="日期占位符 3">
             <a:extLst>
               <a:ext uri="{FF2B5EF4-FFF2-40B4-BE49-F238E27FC236}">
-                <a16:creationId xmlns:a16="http://schemas.microsoft.com/office/drawing/2014/main" id="{FF14E6FD-754F-C937-C8B0-FD1A25147BA4}"/>
+                <a16:creationId xmlns:a16="http://schemas.microsoft.com/office/drawing/2014/main" id="{2586E5C1-BA4D-A8B5-361F-6580D2420E58}"/>
               </a:ext>
             </a:extLst>
           </p:cNvPr>
@@ -658,7 +658,7 @@
           <a:bodyPr/>
           <a:lstStyle/>
           <a:p>
-            <a:fld id="{69C2C150-4898-43EB-9DAF-72149EB89A8E}" type="datetimeFigureOut">
+            <a:fld id="{DACDF784-6684-4195-B517-0164D47CB973}" type="datetimeFigureOut">
               <a:rPr lang="zh-CN" altLang="en-US" smtClean="0"/>
               <a:t>2024/3/10</a:t>
             </a:fld>
@@ -671,7 +671,7 @@
           <p:cNvPr id="5" name="页脚占位符 4">
             <a:extLst>
               <a:ext uri="{FF2B5EF4-FFF2-40B4-BE49-F238E27FC236}">
-                <a16:creationId xmlns:a16="http://schemas.microsoft.com/office/drawing/2014/main" id="{1EE7B5BB-C84B-200E-F13E-323A1C78F91F}"/>
+                <a16:creationId xmlns:a16="http://schemas.microsoft.com/office/drawing/2014/main" id="{3588EEF7-930D-C783-5144-B5D198486601}"/>
               </a:ext>
             </a:extLst>
           </p:cNvPr>
@@ -696,7 +696,7 @@
           <p:cNvPr id="6" name="灯片编号占位符 5">
             <a:extLst>
               <a:ext uri="{FF2B5EF4-FFF2-40B4-BE49-F238E27FC236}">
-                <a16:creationId xmlns:a16="http://schemas.microsoft.com/office/drawing/2014/main" id="{D7ED27D7-FB9A-AFD2-37FC-6809FE9CE902}"/>
+                <a16:creationId xmlns:a16="http://schemas.microsoft.com/office/drawing/2014/main" id="{3C95474E-C699-CF6E-7EF7-24E32B016EBB}"/>
               </a:ext>
             </a:extLst>
           </p:cNvPr>
@@ -712,7 +712,7 @@
           <a:bodyPr/>
           <a:lstStyle/>
           <a:p>
-            <a:fld id="{5D266034-DC73-4BA9-94EB-E2D4C4183109}" type="slidenum">
+            <a:fld id="{3D29D30C-BABD-4BBC-8F85-39F933FAAB8E}" type="slidenum">
               <a:rPr lang="zh-CN" altLang="en-US" smtClean="0"/>
               <a:t>‹#›</a:t>
             </a:fld>
@@ -723,7 +723,7 @@
     </p:spTree>
     <p:extLst>
       <p:ext uri="{BB962C8B-B14F-4D97-AF65-F5344CB8AC3E}">
-        <p14:creationId xmlns:p14="http://schemas.microsoft.com/office/powerpoint/2010/main" val="63173549"/>
+        <p14:creationId xmlns:p14="http://schemas.microsoft.com/office/powerpoint/2010/main" val="1576334363"/>
       </p:ext>
     </p:extLst>
   </p:cSld>
@@ -755,7 +755,7 @@
           <p:cNvPr id="2" name="标题 1">
             <a:extLst>
               <a:ext uri="{FF2B5EF4-FFF2-40B4-BE49-F238E27FC236}">
-                <a16:creationId xmlns:a16="http://schemas.microsoft.com/office/drawing/2014/main" id="{30553958-ED71-20E1-AC01-54B440944781}"/>
+                <a16:creationId xmlns:a16="http://schemas.microsoft.com/office/drawing/2014/main" id="{237C0117-2AF3-6A06-6120-CBD4A3352FC3}"/>
               </a:ext>
             </a:extLst>
           </p:cNvPr>
@@ -783,7 +783,7 @@
           <p:cNvPr id="3" name="内容占位符 2">
             <a:extLst>
               <a:ext uri="{FF2B5EF4-FFF2-40B4-BE49-F238E27FC236}">
-                <a16:creationId xmlns:a16="http://schemas.microsoft.com/office/drawing/2014/main" id="{C7C4B5DF-E6D6-F74C-C33C-98119FD0C1D8}"/>
+                <a16:creationId xmlns:a16="http://schemas.microsoft.com/office/drawing/2014/main" id="{176D52DD-5990-8F08-025D-9385B18F99CE}"/>
               </a:ext>
             </a:extLst>
           </p:cNvPr>
@@ -840,7 +840,7 @@
           <p:cNvPr id="4" name="日期占位符 3">
             <a:extLst>
               <a:ext uri="{FF2B5EF4-FFF2-40B4-BE49-F238E27FC236}">
-                <a16:creationId xmlns:a16="http://schemas.microsoft.com/office/drawing/2014/main" id="{404A4207-40E5-DB44-3149-97C0786244F0}"/>
+                <a16:creationId xmlns:a16="http://schemas.microsoft.com/office/drawing/2014/main" id="{2CC39AC3-BCCD-205A-5C91-C23D864674AC}"/>
               </a:ext>
             </a:extLst>
           </p:cNvPr>
@@ -856,7 +856,7 @@
           <a:bodyPr/>
           <a:lstStyle/>
           <a:p>
-            <a:fld id="{69C2C150-4898-43EB-9DAF-72149EB89A8E}" type="datetimeFigureOut">
+            <a:fld id="{DACDF784-6684-4195-B517-0164D47CB973}" type="datetimeFigureOut">
               <a:rPr lang="zh-CN" altLang="en-US" smtClean="0"/>
               <a:t>2024/3/10</a:t>
             </a:fld>
@@ -869,7 +869,7 @@
           <p:cNvPr id="5" name="页脚占位符 4">
             <a:extLst>
               <a:ext uri="{FF2B5EF4-FFF2-40B4-BE49-F238E27FC236}">
-                <a16:creationId xmlns:a16="http://schemas.microsoft.com/office/drawing/2014/main" id="{E20D5A2E-77ED-3A03-A286-FF184322E2E8}"/>
+                <a16:creationId xmlns:a16="http://schemas.microsoft.com/office/drawing/2014/main" id="{9B974E9D-BCB5-F99F-F9AF-D6CE78D2B5E4}"/>
               </a:ext>
             </a:extLst>
           </p:cNvPr>
@@ -894,7 +894,7 @@
           <p:cNvPr id="6" name="灯片编号占位符 5">
             <a:extLst>
               <a:ext uri="{FF2B5EF4-FFF2-40B4-BE49-F238E27FC236}">
-                <a16:creationId xmlns:a16="http://schemas.microsoft.com/office/drawing/2014/main" id="{914EE495-202F-2D63-3DED-68F4F776830D}"/>
+                <a16:creationId xmlns:a16="http://schemas.microsoft.com/office/drawing/2014/main" id="{E47502B1-D0ED-7BFC-0FDC-8EABB6402230}"/>
               </a:ext>
             </a:extLst>
           </p:cNvPr>
@@ -910,7 +910,7 @@
           <a:bodyPr/>
           <a:lstStyle/>
           <a:p>
-            <a:fld id="{5D266034-DC73-4BA9-94EB-E2D4C4183109}" type="slidenum">
+            <a:fld id="{3D29D30C-BABD-4BBC-8F85-39F933FAAB8E}" type="slidenum">
               <a:rPr lang="zh-CN" altLang="en-US" smtClean="0"/>
               <a:t>‹#›</a:t>
             </a:fld>
@@ -921,7 +921,7 @@
     </p:spTree>
     <p:extLst>
       <p:ext uri="{BB962C8B-B14F-4D97-AF65-F5344CB8AC3E}">
-        <p14:creationId xmlns:p14="http://schemas.microsoft.com/office/powerpoint/2010/main" val="3960971373"/>
+        <p14:creationId xmlns:p14="http://schemas.microsoft.com/office/powerpoint/2010/main" val="2592208841"/>
       </p:ext>
     </p:extLst>
   </p:cSld>
@@ -953,7 +953,7 @@
           <p:cNvPr id="2" name="标题 1">
             <a:extLst>
               <a:ext uri="{FF2B5EF4-FFF2-40B4-BE49-F238E27FC236}">
-                <a16:creationId xmlns:a16="http://schemas.microsoft.com/office/drawing/2014/main" id="{F1FBE2C9-5D5E-4BE7-FB8D-CC927AAA8BDE}"/>
+                <a16:creationId xmlns:a16="http://schemas.microsoft.com/office/drawing/2014/main" id="{E700D7B8-36AD-F4C6-909C-C94790227991}"/>
               </a:ext>
             </a:extLst>
           </p:cNvPr>
@@ -990,7 +990,7 @@
           <p:cNvPr id="3" name="文本占位符 2">
             <a:extLst>
               <a:ext uri="{FF2B5EF4-FFF2-40B4-BE49-F238E27FC236}">
-                <a16:creationId xmlns:a16="http://schemas.microsoft.com/office/drawing/2014/main" id="{A15FB098-6F7C-E27C-FBEF-792167300D02}"/>
+                <a16:creationId xmlns:a16="http://schemas.microsoft.com/office/drawing/2014/main" id="{D0B3DAF2-8BF1-D1B9-BC56-B274E724BE4B}"/>
               </a:ext>
             </a:extLst>
           </p:cNvPr>
@@ -1115,7 +1115,7 @@
           <p:cNvPr id="4" name="日期占位符 3">
             <a:extLst>
               <a:ext uri="{FF2B5EF4-FFF2-40B4-BE49-F238E27FC236}">
-                <a16:creationId xmlns:a16="http://schemas.microsoft.com/office/drawing/2014/main" id="{6AC2E053-974A-F400-E2D9-7B48DAD7E83E}"/>
+                <a16:creationId xmlns:a16="http://schemas.microsoft.com/office/drawing/2014/main" id="{6D775B38-D27D-F4D4-ACDA-29CA83C9C317}"/>
               </a:ext>
             </a:extLst>
           </p:cNvPr>
@@ -1131,7 +1131,7 @@
           <a:bodyPr/>
           <a:lstStyle/>
           <a:p>
-            <a:fld id="{69C2C150-4898-43EB-9DAF-72149EB89A8E}" type="datetimeFigureOut">
+            <a:fld id="{DACDF784-6684-4195-B517-0164D47CB973}" type="datetimeFigureOut">
               <a:rPr lang="zh-CN" altLang="en-US" smtClean="0"/>
               <a:t>2024/3/10</a:t>
             </a:fld>
@@ -1144,7 +1144,7 @@
           <p:cNvPr id="5" name="页脚占位符 4">
             <a:extLst>
               <a:ext uri="{FF2B5EF4-FFF2-40B4-BE49-F238E27FC236}">
-                <a16:creationId xmlns:a16="http://schemas.microsoft.com/office/drawing/2014/main" id="{50C10247-C723-E9DC-5C61-64AD0CD11ECC}"/>
+                <a16:creationId xmlns:a16="http://schemas.microsoft.com/office/drawing/2014/main" id="{64893B87-F117-E1B4-9933-C5A898C86D3E}"/>
               </a:ext>
             </a:extLst>
           </p:cNvPr>
@@ -1169,7 +1169,7 @@
           <p:cNvPr id="6" name="灯片编号占位符 5">
             <a:extLst>
               <a:ext uri="{FF2B5EF4-FFF2-40B4-BE49-F238E27FC236}">
-                <a16:creationId xmlns:a16="http://schemas.microsoft.com/office/drawing/2014/main" id="{2825F7CF-2C80-C64E-4579-20691F20674A}"/>
+                <a16:creationId xmlns:a16="http://schemas.microsoft.com/office/drawing/2014/main" id="{DC99F010-F67A-548E-844B-212E3F1359EF}"/>
               </a:ext>
             </a:extLst>
           </p:cNvPr>
@@ -1185,7 +1185,7 @@
           <a:bodyPr/>
           <a:lstStyle/>
           <a:p>
-            <a:fld id="{5D266034-DC73-4BA9-94EB-E2D4C4183109}" type="slidenum">
+            <a:fld id="{3D29D30C-BABD-4BBC-8F85-39F933FAAB8E}" type="slidenum">
               <a:rPr lang="zh-CN" altLang="en-US" smtClean="0"/>
               <a:t>‹#›</a:t>
             </a:fld>
@@ -1196,7 +1196,7 @@
     </p:spTree>
     <p:extLst>
       <p:ext uri="{BB962C8B-B14F-4D97-AF65-F5344CB8AC3E}">
-        <p14:creationId xmlns:p14="http://schemas.microsoft.com/office/powerpoint/2010/main" val="2966637825"/>
+        <p14:creationId xmlns:p14="http://schemas.microsoft.com/office/powerpoint/2010/main" val="1373347587"/>
       </p:ext>
     </p:extLst>
   </p:cSld>
@@ -1228,7 +1228,7 @@
           <p:cNvPr id="2" name="标题 1">
             <a:extLst>
               <a:ext uri="{FF2B5EF4-FFF2-40B4-BE49-F238E27FC236}">
-                <a16:creationId xmlns:a16="http://schemas.microsoft.com/office/drawing/2014/main" id="{2FF5C2FB-7E16-A2CB-19B6-AA7821C70056}"/>
+                <a16:creationId xmlns:a16="http://schemas.microsoft.com/office/drawing/2014/main" id="{06F55296-C2A4-720F-53AE-6112128E28EB}"/>
               </a:ext>
             </a:extLst>
           </p:cNvPr>
@@ -1256,7 +1256,7 @@
           <p:cNvPr id="3" name="内容占位符 2">
             <a:extLst>
               <a:ext uri="{FF2B5EF4-FFF2-40B4-BE49-F238E27FC236}">
-                <a16:creationId xmlns:a16="http://schemas.microsoft.com/office/drawing/2014/main" id="{365878ED-B10F-7B2D-F57E-9AA0460BE542}"/>
+                <a16:creationId xmlns:a16="http://schemas.microsoft.com/office/drawing/2014/main" id="{B5E97284-44D2-C22B-BBD8-E4DED1FF6FEB}"/>
               </a:ext>
             </a:extLst>
           </p:cNvPr>
@@ -1318,7 +1318,7 @@
           <p:cNvPr id="4" name="内容占位符 3">
             <a:extLst>
               <a:ext uri="{FF2B5EF4-FFF2-40B4-BE49-F238E27FC236}">
-                <a16:creationId xmlns:a16="http://schemas.microsoft.com/office/drawing/2014/main" id="{AF5FCA6F-7038-0C22-1C62-C8C0D13F92EF}"/>
+                <a16:creationId xmlns:a16="http://schemas.microsoft.com/office/drawing/2014/main" id="{6C3FF0EC-545E-C36B-E23D-85312FC290BC}"/>
               </a:ext>
             </a:extLst>
           </p:cNvPr>
@@ -1380,7 +1380,7 @@
           <p:cNvPr id="5" name="日期占位符 4">
             <a:extLst>
               <a:ext uri="{FF2B5EF4-FFF2-40B4-BE49-F238E27FC236}">
-                <a16:creationId xmlns:a16="http://schemas.microsoft.com/office/drawing/2014/main" id="{8B2A8C6B-C99F-1FD4-D993-8D5C3EDA7183}"/>
+                <a16:creationId xmlns:a16="http://schemas.microsoft.com/office/drawing/2014/main" id="{75DCB69E-389C-9A28-9CFD-0BF5D0582126}"/>
               </a:ext>
             </a:extLst>
           </p:cNvPr>
@@ -1396,7 +1396,7 @@
           <a:bodyPr/>
           <a:lstStyle/>
           <a:p>
-            <a:fld id="{69C2C150-4898-43EB-9DAF-72149EB89A8E}" type="datetimeFigureOut">
+            <a:fld id="{DACDF784-6684-4195-B517-0164D47CB973}" type="datetimeFigureOut">
               <a:rPr lang="zh-CN" altLang="en-US" smtClean="0"/>
               <a:t>2024/3/10</a:t>
             </a:fld>
@@ -1409,7 +1409,7 @@
           <p:cNvPr id="6" name="页脚占位符 5">
             <a:extLst>
               <a:ext uri="{FF2B5EF4-FFF2-40B4-BE49-F238E27FC236}">
-                <a16:creationId xmlns:a16="http://schemas.microsoft.com/office/drawing/2014/main" id="{30E22786-58FE-D25A-3DBB-BB98017EB2F8}"/>
+                <a16:creationId xmlns:a16="http://schemas.microsoft.com/office/drawing/2014/main" id="{3823A50A-8CA5-A39E-1895-558F909DDE3C}"/>
               </a:ext>
             </a:extLst>
           </p:cNvPr>
@@ -1434,7 +1434,7 @@
           <p:cNvPr id="7" name="灯片编号占位符 6">
             <a:extLst>
               <a:ext uri="{FF2B5EF4-FFF2-40B4-BE49-F238E27FC236}">
-                <a16:creationId xmlns:a16="http://schemas.microsoft.com/office/drawing/2014/main" id="{E3E14AEE-A0CD-4C93-0222-9E82F8C1E945}"/>
+                <a16:creationId xmlns:a16="http://schemas.microsoft.com/office/drawing/2014/main" id="{7F3E44D3-21E7-A7A4-A264-9FC285E69586}"/>
               </a:ext>
             </a:extLst>
           </p:cNvPr>
@@ -1450,7 +1450,7 @@
           <a:bodyPr/>
           <a:lstStyle/>
           <a:p>
-            <a:fld id="{5D266034-DC73-4BA9-94EB-E2D4C4183109}" type="slidenum">
+            <a:fld id="{3D29D30C-BABD-4BBC-8F85-39F933FAAB8E}" type="slidenum">
               <a:rPr lang="zh-CN" altLang="en-US" smtClean="0"/>
               <a:t>‹#›</a:t>
             </a:fld>
@@ -1461,7 +1461,7 @@
     </p:spTree>
     <p:extLst>
       <p:ext uri="{BB962C8B-B14F-4D97-AF65-F5344CB8AC3E}">
-        <p14:creationId xmlns:p14="http://schemas.microsoft.com/office/powerpoint/2010/main" val="2657143854"/>
+        <p14:creationId xmlns:p14="http://schemas.microsoft.com/office/powerpoint/2010/main" val="1199174641"/>
       </p:ext>
     </p:extLst>
   </p:cSld>
@@ -1493,7 +1493,7 @@
           <p:cNvPr id="2" name="标题 1">
             <a:extLst>
               <a:ext uri="{FF2B5EF4-FFF2-40B4-BE49-F238E27FC236}">
-                <a16:creationId xmlns:a16="http://schemas.microsoft.com/office/drawing/2014/main" id="{2E74DD9A-E6B1-CE96-CE61-4BDAFD3A6199}"/>
+                <a16:creationId xmlns:a16="http://schemas.microsoft.com/office/drawing/2014/main" id="{3A2E29EB-6096-D787-1831-D8D370A96E49}"/>
               </a:ext>
             </a:extLst>
           </p:cNvPr>
@@ -1526,7 +1526,7 @@
           <p:cNvPr id="3" name="文本占位符 2">
             <a:extLst>
               <a:ext uri="{FF2B5EF4-FFF2-40B4-BE49-F238E27FC236}">
-                <a16:creationId xmlns:a16="http://schemas.microsoft.com/office/drawing/2014/main" id="{D65B4A85-5D0E-A5B9-33CA-B8871151AB57}"/>
+                <a16:creationId xmlns:a16="http://schemas.microsoft.com/office/drawing/2014/main" id="{6FC47E10-496F-280D-21D4-16247513FC10}"/>
               </a:ext>
             </a:extLst>
           </p:cNvPr>
@@ -1597,7 +1597,7 @@
           <p:cNvPr id="4" name="内容占位符 3">
             <a:extLst>
               <a:ext uri="{FF2B5EF4-FFF2-40B4-BE49-F238E27FC236}">
-                <a16:creationId xmlns:a16="http://schemas.microsoft.com/office/drawing/2014/main" id="{F5203E7E-A599-628A-4381-9AAF7D5E10AD}"/>
+                <a16:creationId xmlns:a16="http://schemas.microsoft.com/office/drawing/2014/main" id="{0051178B-4FEB-1C51-FA10-4B5DF352C669}"/>
               </a:ext>
             </a:extLst>
           </p:cNvPr>
@@ -1659,7 +1659,7 @@
           <p:cNvPr id="5" name="文本占位符 4">
             <a:extLst>
               <a:ext uri="{FF2B5EF4-FFF2-40B4-BE49-F238E27FC236}">
-                <a16:creationId xmlns:a16="http://schemas.microsoft.com/office/drawing/2014/main" id="{831D3425-3D8E-2B0F-6B2B-E8A8088ADB03}"/>
+                <a16:creationId xmlns:a16="http://schemas.microsoft.com/office/drawing/2014/main" id="{47ADC5F9-B07E-2CD2-1D25-4767047AD91C}"/>
               </a:ext>
             </a:extLst>
           </p:cNvPr>
@@ -1730,7 +1730,7 @@
           <p:cNvPr id="6" name="内容占位符 5">
             <a:extLst>
               <a:ext uri="{FF2B5EF4-FFF2-40B4-BE49-F238E27FC236}">
-                <a16:creationId xmlns:a16="http://schemas.microsoft.com/office/drawing/2014/main" id="{D9AB40E4-75E2-F684-088F-629ABBE097C7}"/>
+                <a16:creationId xmlns:a16="http://schemas.microsoft.com/office/drawing/2014/main" id="{F96C0C2D-E928-DA05-3A0F-A74F0F8EDC97}"/>
               </a:ext>
             </a:extLst>
           </p:cNvPr>
@@ -1792,7 +1792,7 @@
           <p:cNvPr id="7" name="日期占位符 6">
             <a:extLst>
               <a:ext uri="{FF2B5EF4-FFF2-40B4-BE49-F238E27FC236}">
-                <a16:creationId xmlns:a16="http://schemas.microsoft.com/office/drawing/2014/main" id="{4B9DA2F6-A7DC-ED1A-3FAA-B31112C27A64}"/>
+                <a16:creationId xmlns:a16="http://schemas.microsoft.com/office/drawing/2014/main" id="{7BBCCC1F-770A-346A-EC05-013DAFB4D9FC}"/>
               </a:ext>
             </a:extLst>
           </p:cNvPr>
@@ -1808,7 +1808,7 @@
           <a:bodyPr/>
           <a:lstStyle/>
           <a:p>
-            <a:fld id="{69C2C150-4898-43EB-9DAF-72149EB89A8E}" type="datetimeFigureOut">
+            <a:fld id="{DACDF784-6684-4195-B517-0164D47CB973}" type="datetimeFigureOut">
               <a:rPr lang="zh-CN" altLang="en-US" smtClean="0"/>
               <a:t>2024/3/10</a:t>
             </a:fld>
@@ -1821,7 +1821,7 @@
           <p:cNvPr id="8" name="页脚占位符 7">
             <a:extLst>
               <a:ext uri="{FF2B5EF4-FFF2-40B4-BE49-F238E27FC236}">
-                <a16:creationId xmlns:a16="http://schemas.microsoft.com/office/drawing/2014/main" id="{E3DDFB42-F370-CF3A-8C3A-F8EC314C26D1}"/>
+                <a16:creationId xmlns:a16="http://schemas.microsoft.com/office/drawing/2014/main" id="{A7F389C8-153B-CA69-4668-0B75F015B5C1}"/>
               </a:ext>
             </a:extLst>
           </p:cNvPr>
@@ -1846,7 +1846,7 @@
           <p:cNvPr id="9" name="灯片编号占位符 8">
             <a:extLst>
               <a:ext uri="{FF2B5EF4-FFF2-40B4-BE49-F238E27FC236}">
-                <a16:creationId xmlns:a16="http://schemas.microsoft.com/office/drawing/2014/main" id="{D9779799-823C-121D-9491-DC6B473013B7}"/>
+                <a16:creationId xmlns:a16="http://schemas.microsoft.com/office/drawing/2014/main" id="{D22E2F2A-2AFB-EBBF-EDF6-2805E8A82B90}"/>
               </a:ext>
             </a:extLst>
           </p:cNvPr>
@@ -1862,7 +1862,7 @@
           <a:bodyPr/>
           <a:lstStyle/>
           <a:p>
-            <a:fld id="{5D266034-DC73-4BA9-94EB-E2D4C4183109}" type="slidenum">
+            <a:fld id="{3D29D30C-BABD-4BBC-8F85-39F933FAAB8E}" type="slidenum">
               <a:rPr lang="zh-CN" altLang="en-US" smtClean="0"/>
               <a:t>‹#›</a:t>
             </a:fld>
@@ -1873,7 +1873,7 @@
     </p:spTree>
     <p:extLst>
       <p:ext uri="{BB962C8B-B14F-4D97-AF65-F5344CB8AC3E}">
-        <p14:creationId xmlns:p14="http://schemas.microsoft.com/office/powerpoint/2010/main" val="1716518770"/>
+        <p14:creationId xmlns:p14="http://schemas.microsoft.com/office/powerpoint/2010/main" val="3641120170"/>
       </p:ext>
     </p:extLst>
   </p:cSld>
@@ -1905,7 +1905,7 @@
           <p:cNvPr id="2" name="标题 1">
             <a:extLst>
               <a:ext uri="{FF2B5EF4-FFF2-40B4-BE49-F238E27FC236}">
-                <a16:creationId xmlns:a16="http://schemas.microsoft.com/office/drawing/2014/main" id="{AF83E4EB-4BD9-A51E-27E8-66CA4D89E0B7}"/>
+                <a16:creationId xmlns:a16="http://schemas.microsoft.com/office/drawing/2014/main" id="{4C3AAE8B-0BCA-FBFB-88E8-51A95DABF5DB}"/>
               </a:ext>
             </a:extLst>
           </p:cNvPr>
@@ -1933,7 +1933,7 @@
           <p:cNvPr id="3" name="日期占位符 2">
             <a:extLst>
               <a:ext uri="{FF2B5EF4-FFF2-40B4-BE49-F238E27FC236}">
-                <a16:creationId xmlns:a16="http://schemas.microsoft.com/office/drawing/2014/main" id="{552CD3B7-2D3E-C7CB-B459-6965CD806F73}"/>
+                <a16:creationId xmlns:a16="http://schemas.microsoft.com/office/drawing/2014/main" id="{05891EFA-C105-1688-B81A-51E7D6B48478}"/>
               </a:ext>
             </a:extLst>
           </p:cNvPr>
@@ -1949,7 +1949,7 @@
           <a:bodyPr/>
           <a:lstStyle/>
           <a:p>
-            <a:fld id="{69C2C150-4898-43EB-9DAF-72149EB89A8E}" type="datetimeFigureOut">
+            <a:fld id="{DACDF784-6684-4195-B517-0164D47CB973}" type="datetimeFigureOut">
               <a:rPr lang="zh-CN" altLang="en-US" smtClean="0"/>
               <a:t>2024/3/10</a:t>
             </a:fld>
@@ -1962,7 +1962,7 @@
           <p:cNvPr id="4" name="页脚占位符 3">
             <a:extLst>
               <a:ext uri="{FF2B5EF4-FFF2-40B4-BE49-F238E27FC236}">
-                <a16:creationId xmlns:a16="http://schemas.microsoft.com/office/drawing/2014/main" id="{E80FCDFB-5BB7-31D2-633A-B2308F348AE7}"/>
+                <a16:creationId xmlns:a16="http://schemas.microsoft.com/office/drawing/2014/main" id="{8AB6B59D-971D-ED97-663D-50603D200534}"/>
               </a:ext>
             </a:extLst>
           </p:cNvPr>
@@ -1987,7 +1987,7 @@
           <p:cNvPr id="5" name="灯片编号占位符 4">
             <a:extLst>
               <a:ext uri="{FF2B5EF4-FFF2-40B4-BE49-F238E27FC236}">
-                <a16:creationId xmlns:a16="http://schemas.microsoft.com/office/drawing/2014/main" id="{1083E6CD-CBDA-9A8F-FBC1-74B50CBFC937}"/>
+                <a16:creationId xmlns:a16="http://schemas.microsoft.com/office/drawing/2014/main" id="{99101E5E-2599-B145-AB15-576088A1445F}"/>
               </a:ext>
             </a:extLst>
           </p:cNvPr>
@@ -2003,7 +2003,7 @@
           <a:bodyPr/>
           <a:lstStyle/>
           <a:p>
-            <a:fld id="{5D266034-DC73-4BA9-94EB-E2D4C4183109}" type="slidenum">
+            <a:fld id="{3D29D30C-BABD-4BBC-8F85-39F933FAAB8E}" type="slidenum">
               <a:rPr lang="zh-CN" altLang="en-US" smtClean="0"/>
               <a:t>‹#›</a:t>
             </a:fld>
@@ -2014,7 +2014,7 @@
     </p:spTree>
     <p:extLst>
       <p:ext uri="{BB962C8B-B14F-4D97-AF65-F5344CB8AC3E}">
-        <p14:creationId xmlns:p14="http://schemas.microsoft.com/office/powerpoint/2010/main" val="4131686010"/>
+        <p14:creationId xmlns:p14="http://schemas.microsoft.com/office/powerpoint/2010/main" val="1665951071"/>
       </p:ext>
     </p:extLst>
   </p:cSld>
@@ -2046,7 +2046,7 @@
           <p:cNvPr id="2" name="日期占位符 1">
             <a:extLst>
               <a:ext uri="{FF2B5EF4-FFF2-40B4-BE49-F238E27FC236}">
-                <a16:creationId xmlns:a16="http://schemas.microsoft.com/office/drawing/2014/main" id="{641BFCCD-A5D0-C73F-E304-4009C1059203}"/>
+                <a16:creationId xmlns:a16="http://schemas.microsoft.com/office/drawing/2014/main" id="{BAB8B4D0-208C-FDB2-0E87-682C3DEC0435}"/>
               </a:ext>
             </a:extLst>
           </p:cNvPr>
@@ -2062,7 +2062,7 @@
           <a:bodyPr/>
           <a:lstStyle/>
           <a:p>
-            <a:fld id="{69C2C150-4898-43EB-9DAF-72149EB89A8E}" type="datetimeFigureOut">
+            <a:fld id="{DACDF784-6684-4195-B517-0164D47CB973}" type="datetimeFigureOut">
               <a:rPr lang="zh-CN" altLang="en-US" smtClean="0"/>
               <a:t>2024/3/10</a:t>
             </a:fld>
@@ -2075,7 +2075,7 @@
           <p:cNvPr id="3" name="页脚占位符 2">
             <a:extLst>
               <a:ext uri="{FF2B5EF4-FFF2-40B4-BE49-F238E27FC236}">
-                <a16:creationId xmlns:a16="http://schemas.microsoft.com/office/drawing/2014/main" id="{9C167F96-EB00-1CF2-64E7-947D58CC974E}"/>
+                <a16:creationId xmlns:a16="http://schemas.microsoft.com/office/drawing/2014/main" id="{12EC5FEF-2F91-7989-EBC3-434CCCE900CA}"/>
               </a:ext>
             </a:extLst>
           </p:cNvPr>
@@ -2100,7 +2100,7 @@
           <p:cNvPr id="4" name="灯片编号占位符 3">
             <a:extLst>
               <a:ext uri="{FF2B5EF4-FFF2-40B4-BE49-F238E27FC236}">
-                <a16:creationId xmlns:a16="http://schemas.microsoft.com/office/drawing/2014/main" id="{BA5AF04E-24DF-7CB4-A98F-D5A1A9335CB1}"/>
+                <a16:creationId xmlns:a16="http://schemas.microsoft.com/office/drawing/2014/main" id="{38B6E7BF-8DC5-4FFB-928B-0CDA553B7E67}"/>
               </a:ext>
             </a:extLst>
           </p:cNvPr>
@@ -2116,7 +2116,7 @@
           <a:bodyPr/>
           <a:lstStyle/>
           <a:p>
-            <a:fld id="{5D266034-DC73-4BA9-94EB-E2D4C4183109}" type="slidenum">
+            <a:fld id="{3D29D30C-BABD-4BBC-8F85-39F933FAAB8E}" type="slidenum">
               <a:rPr lang="zh-CN" altLang="en-US" smtClean="0"/>
               <a:t>‹#›</a:t>
             </a:fld>
@@ -2127,7 +2127,7 @@
     </p:spTree>
     <p:extLst>
       <p:ext uri="{BB962C8B-B14F-4D97-AF65-F5344CB8AC3E}">
-        <p14:creationId xmlns:p14="http://schemas.microsoft.com/office/powerpoint/2010/main" val="128090421"/>
+        <p14:creationId xmlns:p14="http://schemas.microsoft.com/office/powerpoint/2010/main" val="1503958479"/>
       </p:ext>
     </p:extLst>
   </p:cSld>
@@ -2159,7 +2159,7 @@
           <p:cNvPr id="2" name="标题 1">
             <a:extLst>
               <a:ext uri="{FF2B5EF4-FFF2-40B4-BE49-F238E27FC236}">
-                <a16:creationId xmlns:a16="http://schemas.microsoft.com/office/drawing/2014/main" id="{3ED26FC0-F99A-C83C-0EB8-0DAEA3BB8FDC}"/>
+                <a16:creationId xmlns:a16="http://schemas.microsoft.com/office/drawing/2014/main" id="{8CF312DF-7113-E5DC-40DE-83E25AFA0276}"/>
               </a:ext>
             </a:extLst>
           </p:cNvPr>
@@ -2196,7 +2196,7 @@
           <p:cNvPr id="3" name="内容占位符 2">
             <a:extLst>
               <a:ext uri="{FF2B5EF4-FFF2-40B4-BE49-F238E27FC236}">
-                <a16:creationId xmlns:a16="http://schemas.microsoft.com/office/drawing/2014/main" id="{34988254-528E-5CB0-B76F-54B2A63B4463}"/>
+                <a16:creationId xmlns:a16="http://schemas.microsoft.com/office/drawing/2014/main" id="{758E7C1F-91D5-6695-9C7C-46610094D232}"/>
               </a:ext>
             </a:extLst>
           </p:cNvPr>
@@ -2286,7 +2286,7 @@
           <p:cNvPr id="4" name="文本占位符 3">
             <a:extLst>
               <a:ext uri="{FF2B5EF4-FFF2-40B4-BE49-F238E27FC236}">
-                <a16:creationId xmlns:a16="http://schemas.microsoft.com/office/drawing/2014/main" id="{5B051D76-2861-4C98-CD7D-183E14B204F8}"/>
+                <a16:creationId xmlns:a16="http://schemas.microsoft.com/office/drawing/2014/main" id="{B5CB870C-947B-CE78-E924-87A708029A97}"/>
               </a:ext>
             </a:extLst>
           </p:cNvPr>
@@ -2357,7 +2357,7 @@
           <p:cNvPr id="5" name="日期占位符 4">
             <a:extLst>
               <a:ext uri="{FF2B5EF4-FFF2-40B4-BE49-F238E27FC236}">
-                <a16:creationId xmlns:a16="http://schemas.microsoft.com/office/drawing/2014/main" id="{A8F2E957-8BA2-8D4E-4B06-45D2FE7BD1D5}"/>
+                <a16:creationId xmlns:a16="http://schemas.microsoft.com/office/drawing/2014/main" id="{7A525577-2CA5-BA83-1D1E-8DA6EFFB5928}"/>
               </a:ext>
             </a:extLst>
           </p:cNvPr>
@@ -2373,7 +2373,7 @@
           <a:bodyPr/>
           <a:lstStyle/>
           <a:p>
-            <a:fld id="{69C2C150-4898-43EB-9DAF-72149EB89A8E}" type="datetimeFigureOut">
+            <a:fld id="{DACDF784-6684-4195-B517-0164D47CB973}" type="datetimeFigureOut">
               <a:rPr lang="zh-CN" altLang="en-US" smtClean="0"/>
               <a:t>2024/3/10</a:t>
             </a:fld>
@@ -2386,7 +2386,7 @@
           <p:cNvPr id="6" name="页脚占位符 5">
             <a:extLst>
               <a:ext uri="{FF2B5EF4-FFF2-40B4-BE49-F238E27FC236}">
-                <a16:creationId xmlns:a16="http://schemas.microsoft.com/office/drawing/2014/main" id="{8526DC11-16C4-7282-49A6-6FFC6AAD3A71}"/>
+                <a16:creationId xmlns:a16="http://schemas.microsoft.com/office/drawing/2014/main" id="{6D275135-356A-57B6-B955-CC0C0AE6675B}"/>
               </a:ext>
             </a:extLst>
           </p:cNvPr>
@@ -2411,7 +2411,7 @@
           <p:cNvPr id="7" name="灯片编号占位符 6">
             <a:extLst>
               <a:ext uri="{FF2B5EF4-FFF2-40B4-BE49-F238E27FC236}">
-                <a16:creationId xmlns:a16="http://schemas.microsoft.com/office/drawing/2014/main" id="{B5FB57DE-ED13-BB55-2D86-12BCABAF7150}"/>
+                <a16:creationId xmlns:a16="http://schemas.microsoft.com/office/drawing/2014/main" id="{9105E625-2BB5-6734-A3A3-21BEEE7C79E3}"/>
               </a:ext>
             </a:extLst>
           </p:cNvPr>
@@ -2427,7 +2427,7 @@
           <a:bodyPr/>
           <a:lstStyle/>
           <a:p>
-            <a:fld id="{5D266034-DC73-4BA9-94EB-E2D4C4183109}" type="slidenum">
+            <a:fld id="{3D29D30C-BABD-4BBC-8F85-39F933FAAB8E}" type="slidenum">
               <a:rPr lang="zh-CN" altLang="en-US" smtClean="0"/>
               <a:t>‹#›</a:t>
             </a:fld>
@@ -2438,7 +2438,7 @@
     </p:spTree>
     <p:extLst>
       <p:ext uri="{BB962C8B-B14F-4D97-AF65-F5344CB8AC3E}">
-        <p14:creationId xmlns:p14="http://schemas.microsoft.com/office/powerpoint/2010/main" val="4020761371"/>
+        <p14:creationId xmlns:p14="http://schemas.microsoft.com/office/powerpoint/2010/main" val="699159167"/>
       </p:ext>
     </p:extLst>
   </p:cSld>
@@ -2470,7 +2470,7 @@
           <p:cNvPr id="2" name="标题 1">
             <a:extLst>
               <a:ext uri="{FF2B5EF4-FFF2-40B4-BE49-F238E27FC236}">
-                <a16:creationId xmlns:a16="http://schemas.microsoft.com/office/drawing/2014/main" id="{5E569DF3-2F8C-0299-6768-E9D4824CEE96}"/>
+                <a16:creationId xmlns:a16="http://schemas.microsoft.com/office/drawing/2014/main" id="{9FEF17A0-BDD8-4318-32AF-6106F6A21653}"/>
               </a:ext>
             </a:extLst>
           </p:cNvPr>
@@ -2507,7 +2507,7 @@
           <p:cNvPr id="3" name="图片占位符 2">
             <a:extLst>
               <a:ext uri="{FF2B5EF4-FFF2-40B4-BE49-F238E27FC236}">
-                <a16:creationId xmlns:a16="http://schemas.microsoft.com/office/drawing/2014/main" id="{AE8EA906-12A7-D679-14B8-DCD1F694514D}"/>
+                <a16:creationId xmlns:a16="http://schemas.microsoft.com/office/drawing/2014/main" id="{CDEC7E37-AAB8-CB1B-4870-0BC27D4FD13B}"/>
               </a:ext>
             </a:extLst>
           </p:cNvPr>
@@ -2574,7 +2574,7 @@
           <p:cNvPr id="4" name="文本占位符 3">
             <a:extLst>
               <a:ext uri="{FF2B5EF4-FFF2-40B4-BE49-F238E27FC236}">
-                <a16:creationId xmlns:a16="http://schemas.microsoft.com/office/drawing/2014/main" id="{541BAEFE-A616-58BA-126E-007225B9BAB1}"/>
+                <a16:creationId xmlns:a16="http://schemas.microsoft.com/office/drawing/2014/main" id="{75E7CB83-8312-E26C-BF88-A37A6DB26A3A}"/>
               </a:ext>
             </a:extLst>
           </p:cNvPr>
@@ -2645,7 +2645,7 @@
           <p:cNvPr id="5" name="日期占位符 4">
             <a:extLst>
               <a:ext uri="{FF2B5EF4-FFF2-40B4-BE49-F238E27FC236}">
-                <a16:creationId xmlns:a16="http://schemas.microsoft.com/office/drawing/2014/main" id="{AF297DE1-AA5F-C61B-7B83-8F35B9F3611D}"/>
+                <a16:creationId xmlns:a16="http://schemas.microsoft.com/office/drawing/2014/main" id="{4A7AB482-F167-8EA3-9F08-321666428202}"/>
               </a:ext>
             </a:extLst>
           </p:cNvPr>
@@ -2661,7 +2661,7 @@
           <a:bodyPr/>
           <a:lstStyle/>
           <a:p>
-            <a:fld id="{69C2C150-4898-43EB-9DAF-72149EB89A8E}" type="datetimeFigureOut">
+            <a:fld id="{DACDF784-6684-4195-B517-0164D47CB973}" type="datetimeFigureOut">
               <a:rPr lang="zh-CN" altLang="en-US" smtClean="0"/>
               <a:t>2024/3/10</a:t>
             </a:fld>
@@ -2674,7 +2674,7 @@
           <p:cNvPr id="6" name="页脚占位符 5">
             <a:extLst>
               <a:ext uri="{FF2B5EF4-FFF2-40B4-BE49-F238E27FC236}">
-                <a16:creationId xmlns:a16="http://schemas.microsoft.com/office/drawing/2014/main" id="{999968AD-BD7F-50B3-1C85-0E34280F74F8}"/>
+                <a16:creationId xmlns:a16="http://schemas.microsoft.com/office/drawing/2014/main" id="{01968FE5-453B-F6E1-AEA3-A625BE1E9E20}"/>
               </a:ext>
             </a:extLst>
           </p:cNvPr>
@@ -2699,7 +2699,7 @@
           <p:cNvPr id="7" name="灯片编号占位符 6">
             <a:extLst>
               <a:ext uri="{FF2B5EF4-FFF2-40B4-BE49-F238E27FC236}">
-                <a16:creationId xmlns:a16="http://schemas.microsoft.com/office/drawing/2014/main" id="{29986DA3-1C42-88E2-76A2-2C478B4E35FD}"/>
+                <a16:creationId xmlns:a16="http://schemas.microsoft.com/office/drawing/2014/main" id="{70E4BD65-C7E5-2057-7AA6-7834E4CA6B92}"/>
               </a:ext>
             </a:extLst>
           </p:cNvPr>
@@ -2715,7 +2715,7 @@
           <a:bodyPr/>
           <a:lstStyle/>
           <a:p>
-            <a:fld id="{5D266034-DC73-4BA9-94EB-E2D4C4183109}" type="slidenum">
+            <a:fld id="{3D29D30C-BABD-4BBC-8F85-39F933FAAB8E}" type="slidenum">
               <a:rPr lang="zh-CN" altLang="en-US" smtClean="0"/>
               <a:t>‹#›</a:t>
             </a:fld>
@@ -2726,7 +2726,7 @@
     </p:spTree>
     <p:extLst>
       <p:ext uri="{BB962C8B-B14F-4D97-AF65-F5344CB8AC3E}">
-        <p14:creationId xmlns:p14="http://schemas.microsoft.com/office/powerpoint/2010/main" val="1374134243"/>
+        <p14:creationId xmlns:p14="http://schemas.microsoft.com/office/powerpoint/2010/main" val="1586896594"/>
       </p:ext>
     </p:extLst>
   </p:cSld>
@@ -2763,7 +2763,7 @@
           <p:cNvPr id="2" name="标题占位符 1">
             <a:extLst>
               <a:ext uri="{FF2B5EF4-FFF2-40B4-BE49-F238E27FC236}">
-                <a16:creationId xmlns:a16="http://schemas.microsoft.com/office/drawing/2014/main" id="{2D7351C7-DA6D-FB58-68A6-D919BAB3FD9B}"/>
+                <a16:creationId xmlns:a16="http://schemas.microsoft.com/office/drawing/2014/main" id="{F2729DA1-06D3-782A-3511-2906D34B2BC6}"/>
               </a:ext>
             </a:extLst>
           </p:cNvPr>
@@ -2801,7 +2801,7 @@
           <p:cNvPr id="3" name="文本占位符 2">
             <a:extLst>
               <a:ext uri="{FF2B5EF4-FFF2-40B4-BE49-F238E27FC236}">
-                <a16:creationId xmlns:a16="http://schemas.microsoft.com/office/drawing/2014/main" id="{5D8E7541-9936-7734-E58F-D5DEDA97034A}"/>
+                <a16:creationId xmlns:a16="http://schemas.microsoft.com/office/drawing/2014/main" id="{FE1B8AF2-7E0A-F4A8-5327-A529D4026843}"/>
               </a:ext>
             </a:extLst>
           </p:cNvPr>
@@ -2868,7 +2868,7 @@
           <p:cNvPr id="4" name="日期占位符 3">
             <a:extLst>
               <a:ext uri="{FF2B5EF4-FFF2-40B4-BE49-F238E27FC236}">
-                <a16:creationId xmlns:a16="http://schemas.microsoft.com/office/drawing/2014/main" id="{E4230A28-4C84-4E1D-331B-DA12FF637FD6}"/>
+                <a16:creationId xmlns:a16="http://schemas.microsoft.com/office/drawing/2014/main" id="{D05624AB-AAE1-03BB-AE85-908788C81CBC}"/>
               </a:ext>
             </a:extLst>
           </p:cNvPr>
@@ -2902,7 +2902,7 @@
             </a:lvl1pPr>
           </a:lstStyle>
           <a:p>
-            <a:fld id="{69C2C150-4898-43EB-9DAF-72149EB89A8E}" type="datetimeFigureOut">
+            <a:fld id="{DACDF784-6684-4195-B517-0164D47CB973}" type="datetimeFigureOut">
               <a:rPr lang="zh-CN" altLang="en-US" smtClean="0"/>
               <a:t>2024/3/10</a:t>
             </a:fld>
@@ -2915,7 +2915,7 @@
           <p:cNvPr id="5" name="页脚占位符 4">
             <a:extLst>
               <a:ext uri="{FF2B5EF4-FFF2-40B4-BE49-F238E27FC236}">
-                <a16:creationId xmlns:a16="http://schemas.microsoft.com/office/drawing/2014/main" id="{96669D50-4845-283A-0C9D-A4D308A2B235}"/>
+                <a16:creationId xmlns:a16="http://schemas.microsoft.com/office/drawing/2014/main" id="{7C5BF8B4-DCDC-5D62-ADCC-8BDA3F8078F3}"/>
               </a:ext>
             </a:extLst>
           </p:cNvPr>
@@ -2958,7 +2958,7 @@
           <p:cNvPr id="6" name="灯片编号占位符 5">
             <a:extLst>
               <a:ext uri="{FF2B5EF4-FFF2-40B4-BE49-F238E27FC236}">
-                <a16:creationId xmlns:a16="http://schemas.microsoft.com/office/drawing/2014/main" id="{7055C8B7-9B0B-8939-D71B-4416FBAC3F03}"/>
+                <a16:creationId xmlns:a16="http://schemas.microsoft.com/office/drawing/2014/main" id="{5A9244EA-646E-EA9B-A371-3F36382178B9}"/>
               </a:ext>
             </a:extLst>
           </p:cNvPr>
@@ -2992,7 +2992,7 @@
             </a:lvl1pPr>
           </a:lstStyle>
           <a:p>
-            <a:fld id="{5D266034-DC73-4BA9-94EB-E2D4C4183109}" type="slidenum">
+            <a:fld id="{3D29D30C-BABD-4BBC-8F85-39F933FAAB8E}" type="slidenum">
               <a:rPr lang="zh-CN" altLang="en-US" smtClean="0"/>
               <a:t>‹#›</a:t>
             </a:fld>
@@ -3003,7 +3003,7 @@
     </p:spTree>
     <p:extLst>
       <p:ext uri="{BB962C8B-B14F-4D97-AF65-F5344CB8AC3E}">
-        <p14:creationId xmlns:p14="http://schemas.microsoft.com/office/powerpoint/2010/main" val="416480985"/>
+        <p14:creationId xmlns:p14="http://schemas.microsoft.com/office/powerpoint/2010/main" val="2505283651"/>
       </p:ext>
     </p:extLst>
   </p:cSld>
